--- a/Name that Game.pptx
+++ b/Name that Game.pptx
@@ -17,14 +17,15 @@
     <p:sldId id="265" r:id="rId11"/>
     <p:sldId id="266" r:id="rId12"/>
     <p:sldId id="267" r:id="rId13"/>
-    <p:sldId id="268" r:id="rId14"/>
-    <p:sldId id="269" r:id="rId15"/>
-    <p:sldId id="270" r:id="rId16"/>
-    <p:sldId id="271" r:id="rId17"/>
-    <p:sldId id="272" r:id="rId18"/>
-    <p:sldId id="273" r:id="rId19"/>
-    <p:sldId id="274" r:id="rId20"/>
-    <p:sldId id="275" r:id="rId21"/>
+    <p:sldId id="276" r:id="rId14"/>
+    <p:sldId id="268" r:id="rId15"/>
+    <p:sldId id="269" r:id="rId16"/>
+    <p:sldId id="270" r:id="rId17"/>
+    <p:sldId id="271" r:id="rId18"/>
+    <p:sldId id="272" r:id="rId19"/>
+    <p:sldId id="273" r:id="rId20"/>
+    <p:sldId id="274" r:id="rId21"/>
+    <p:sldId id="275" r:id="rId22"/>
   </p:sldIdLst>
   <p:sldSz cx="9144000" cy="6858000" type="screen4x3"/>
   <p:notesSz cx="6858000" cy="9144000"/>
@@ -4101,8 +4102,8 @@
         </p:blipFill>
         <p:spPr>
           <a:xfrm>
-            <a:off x="2516186" y="1893922"/>
-            <a:ext cx="4111621" cy="3064005"/>
+            <a:off x="2451203" y="1893922"/>
+            <a:ext cx="4241586" cy="3064005"/>
           </a:xfrm>
           <a:prstGeom prst="rect">
             <a:avLst/>
@@ -4112,7 +4113,7 @@
     </p:spTree>
     <p:extLst>
       <p:ext uri="{BB962C8B-B14F-4D97-AF65-F5344CB8AC3E}">
-        <p14:creationId xmlns:p14="http://schemas.microsoft.com/office/powerpoint/2010/main" val="4068505424"/>
+        <p14:creationId xmlns:p14="http://schemas.microsoft.com/office/powerpoint/2010/main" val="1572120954"/>
       </p:ext>
     </p:extLst>
   </p:cSld>
@@ -4369,7 +4370,7 @@
         <p:spPr>
           <a:xfrm>
             <a:off x="2516186" y="1893922"/>
-            <a:ext cx="4111621" cy="3064004"/>
+            <a:ext cx="4111621" cy="3064005"/>
           </a:xfrm>
           <a:prstGeom prst="rect">
             <a:avLst/>
@@ -4379,7 +4380,7 @@
     </p:spTree>
     <p:extLst>
       <p:ext uri="{BB962C8B-B14F-4D97-AF65-F5344CB8AC3E}">
-        <p14:creationId xmlns:p14="http://schemas.microsoft.com/office/powerpoint/2010/main" val="2503221751"/>
+        <p14:creationId xmlns:p14="http://schemas.microsoft.com/office/powerpoint/2010/main" val="4068505424"/>
       </p:ext>
     </p:extLst>
   </p:cSld>
@@ -4635,8 +4636,8 @@
         </p:blipFill>
         <p:spPr>
           <a:xfrm>
-            <a:off x="2821135" y="1893922"/>
-            <a:ext cx="3501722" cy="3064004"/>
+            <a:off x="2516186" y="1893922"/>
+            <a:ext cx="4111621" cy="3064004"/>
           </a:xfrm>
           <a:prstGeom prst="rect">
             <a:avLst/>
@@ -4646,7 +4647,7 @@
     </p:spTree>
     <p:extLst>
       <p:ext uri="{BB962C8B-B14F-4D97-AF65-F5344CB8AC3E}">
-        <p14:creationId xmlns:p14="http://schemas.microsoft.com/office/powerpoint/2010/main" val="2211532646"/>
+        <p14:creationId xmlns:p14="http://schemas.microsoft.com/office/powerpoint/2010/main" val="2503221751"/>
       </p:ext>
     </p:extLst>
   </p:cSld>
@@ -4903,7 +4904,7 @@
         <p:spPr>
           <a:xfrm>
             <a:off x="2821135" y="1893922"/>
-            <a:ext cx="3501722" cy="3064003"/>
+            <a:ext cx="3501722" cy="3064004"/>
           </a:xfrm>
           <a:prstGeom prst="rect">
             <a:avLst/>
@@ -4913,7 +4914,7 @@
     </p:spTree>
     <p:extLst>
       <p:ext uri="{BB962C8B-B14F-4D97-AF65-F5344CB8AC3E}">
-        <p14:creationId xmlns:p14="http://schemas.microsoft.com/office/powerpoint/2010/main" val="1179136831"/>
+        <p14:creationId xmlns:p14="http://schemas.microsoft.com/office/powerpoint/2010/main" val="2211532646"/>
       </p:ext>
     </p:extLst>
   </p:cSld>
@@ -5169,8 +5170,8 @@
         </p:blipFill>
         <p:spPr>
           <a:xfrm>
-            <a:off x="2821135" y="1900762"/>
-            <a:ext cx="3501722" cy="3050324"/>
+            <a:off x="2821135" y="1893922"/>
+            <a:ext cx="3501722" cy="3064003"/>
           </a:xfrm>
           <a:prstGeom prst="rect">
             <a:avLst/>
@@ -5180,7 +5181,7 @@
     </p:spTree>
     <p:extLst>
       <p:ext uri="{BB962C8B-B14F-4D97-AF65-F5344CB8AC3E}">
-        <p14:creationId xmlns:p14="http://schemas.microsoft.com/office/powerpoint/2010/main" val="2402523451"/>
+        <p14:creationId xmlns:p14="http://schemas.microsoft.com/office/powerpoint/2010/main" val="1179136831"/>
       </p:ext>
     </p:extLst>
   </p:cSld>
@@ -5437,7 +5438,7 @@
         <p:spPr>
           <a:xfrm>
             <a:off x="2821135" y="1900762"/>
-            <a:ext cx="3501721" cy="3050324"/>
+            <a:ext cx="3501722" cy="3050324"/>
           </a:xfrm>
           <a:prstGeom prst="rect">
             <a:avLst/>
@@ -5447,7 +5448,7 @@
     </p:spTree>
     <p:extLst>
       <p:ext uri="{BB962C8B-B14F-4D97-AF65-F5344CB8AC3E}">
-        <p14:creationId xmlns:p14="http://schemas.microsoft.com/office/powerpoint/2010/main" val="2436420540"/>
+        <p14:creationId xmlns:p14="http://schemas.microsoft.com/office/powerpoint/2010/main" val="2402523451"/>
       </p:ext>
     </p:extLst>
   </p:cSld>
@@ -5703,8 +5704,8 @@
         </p:blipFill>
         <p:spPr>
           <a:xfrm>
-            <a:off x="2821135" y="2112778"/>
-            <a:ext cx="3501721" cy="2626291"/>
+            <a:off x="2821135" y="1900762"/>
+            <a:ext cx="3501721" cy="3050324"/>
           </a:xfrm>
           <a:prstGeom prst="rect">
             <a:avLst/>
@@ -5714,7 +5715,7 @@
     </p:spTree>
     <p:extLst>
       <p:ext uri="{BB962C8B-B14F-4D97-AF65-F5344CB8AC3E}">
-        <p14:creationId xmlns:p14="http://schemas.microsoft.com/office/powerpoint/2010/main" val="2309318285"/>
+        <p14:creationId xmlns:p14="http://schemas.microsoft.com/office/powerpoint/2010/main" val="2436420540"/>
       </p:ext>
     </p:extLst>
   </p:cSld>
@@ -5992,6 +5993,273 @@
 </file>
 
 <file path=ppt/slides/slide20.xml><?xml version="1.0" encoding="utf-8"?>
+<p:sld xmlns:a="http://schemas.openxmlformats.org/drawingml/2006/main" xmlns:r="http://schemas.openxmlformats.org/officeDocument/2006/relationships" xmlns:p="http://schemas.openxmlformats.org/presentationml/2006/main">
+  <p:cSld>
+    <p:bg>
+      <p:bgPr>
+        <a:solidFill>
+          <a:schemeClr val="bg1"/>
+        </a:solidFill>
+        <a:effectLst/>
+      </p:bgPr>
+    </p:bg>
+    <p:spTree>
+      <p:nvGrpSpPr>
+        <p:cNvPr id="1" name=""/>
+        <p:cNvGrpSpPr/>
+        <p:nvPr/>
+      </p:nvGrpSpPr>
+      <p:grpSpPr>
+        <a:xfrm>
+          <a:off x="0" y="0"/>
+          <a:ext cx="0" cy="0"/>
+          <a:chOff x="0" y="0"/>
+          <a:chExt cx="0" cy="0"/>
+        </a:xfrm>
+      </p:grpSpPr>
+      <p:sp>
+        <p:nvSpPr>
+          <p:cNvPr id="10" name="Rectangle 9">
+            <a:extLst>
+              <a:ext uri="{FF2B5EF4-FFF2-40B4-BE49-F238E27FC236}">
+                <a16:creationId xmlns:a16="http://schemas.microsoft.com/office/drawing/2014/main" id="{B9FF99BD-075F-4761-A995-6FC574BD25EA}"/>
+              </a:ext>
+              <a:ext uri="{C183D7F6-B498-43B3-948B-1728B52AA6E4}">
+                <adec:decorative xmlns:adec="http://schemas.microsoft.com/office/drawing/2017/decorative" val="1"/>
+              </a:ext>
+            </a:extLst>
+          </p:cNvPr>
+          <p:cNvSpPr>
+            <a:spLocks noGrp="1" noRot="1" noChangeAspect="1" noMove="1" noResize="1" noEditPoints="1" noAdjustHandles="1" noChangeArrowheads="1" noChangeShapeType="1" noTextEdit="1"/>
+          </p:cNvSpPr>
+          <p:nvPr>
+            <p:extLst>
+              <p:ext uri="{386F3935-93C4-4BCD-93E2-E3B085C9AB24}">
+                <p16:designElem xmlns:p16="http://schemas.microsoft.com/office/powerpoint/2015/main" val="1"/>
+              </p:ext>
+            </p:extLst>
+          </p:nvPr>
+        </p:nvSpPr>
+        <p:spPr>
+          <a:xfrm>
+            <a:off x="0" y="0"/>
+            <a:ext cx="9144000" cy="6858000"/>
+          </a:xfrm>
+          <a:prstGeom prst="rect">
+            <a:avLst/>
+          </a:prstGeom>
+          <a:solidFill>
+            <a:schemeClr val="bg1">
+              <a:lumMod val="65000"/>
+            </a:schemeClr>
+          </a:solidFill>
+          <a:ln>
+            <a:noFill/>
+          </a:ln>
+        </p:spPr>
+        <p:style>
+          <a:lnRef idx="2">
+            <a:schemeClr val="accent1">
+              <a:shade val="50000"/>
+            </a:schemeClr>
+          </a:lnRef>
+          <a:fillRef idx="1">
+            <a:schemeClr val="accent1"/>
+          </a:fillRef>
+          <a:effectRef idx="0">
+            <a:schemeClr val="accent1"/>
+          </a:effectRef>
+          <a:fontRef idx="minor">
+            <a:schemeClr val="lt1"/>
+          </a:fontRef>
+        </p:style>
+        <p:txBody>
+          <a:bodyPr rtlCol="0" anchor="ctr"/>
+          <a:lstStyle/>
+          <a:p>
+            <a:pPr algn="ctr"/>
+            <a:endParaRPr lang="en-US"/>
+          </a:p>
+        </p:txBody>
+      </p:sp>
+      <p:sp>
+        <p:nvSpPr>
+          <p:cNvPr id="12" name="Rectangle 11">
+            <a:extLst>
+              <a:ext uri="{FF2B5EF4-FFF2-40B4-BE49-F238E27FC236}">
+                <a16:creationId xmlns:a16="http://schemas.microsoft.com/office/drawing/2014/main" id="{A7B21A54-9BA3-4EA9-B460-5A829ADD9051}"/>
+              </a:ext>
+              <a:ext uri="{C183D7F6-B498-43B3-948B-1728B52AA6E4}">
+                <adec:decorative xmlns:adec="http://schemas.microsoft.com/office/drawing/2017/decorative" val="1"/>
+              </a:ext>
+            </a:extLst>
+          </p:cNvPr>
+          <p:cNvSpPr>
+            <a:spLocks noGrp="1" noRot="1" noChangeAspect="1" noMove="1" noResize="1" noEditPoints="1" noAdjustHandles="1" noChangeArrowheads="1" noChangeShapeType="1" noTextEdit="1"/>
+          </p:cNvSpPr>
+          <p:nvPr>
+            <p:extLst>
+              <p:ext uri="{386F3935-93C4-4BCD-93E2-E3B085C9AB24}">
+                <p16:designElem xmlns:p16="http://schemas.microsoft.com/office/powerpoint/2015/main" val="1"/>
+              </p:ext>
+            </p:extLst>
+          </p:nvPr>
+        </p:nvSpPr>
+        <p:spPr>
+          <a:xfrm>
+            <a:off x="357759" y="480060"/>
+            <a:ext cx="8428482" cy="5897880"/>
+          </a:xfrm>
+          <a:prstGeom prst="rect">
+            <a:avLst/>
+          </a:prstGeom>
+          <a:noFill/>
+          <a:ln>
+            <a:solidFill>
+              <a:schemeClr val="bg1"/>
+            </a:solidFill>
+          </a:ln>
+        </p:spPr>
+        <p:style>
+          <a:lnRef idx="2">
+            <a:schemeClr val="accent1">
+              <a:shade val="50000"/>
+            </a:schemeClr>
+          </a:lnRef>
+          <a:fillRef idx="1">
+            <a:schemeClr val="accent1"/>
+          </a:fillRef>
+          <a:effectRef idx="0">
+            <a:schemeClr val="accent1"/>
+          </a:effectRef>
+          <a:fontRef idx="minor">
+            <a:schemeClr val="lt1"/>
+          </a:fontRef>
+        </p:style>
+        <p:txBody>
+          <a:bodyPr rtlCol="0" anchor="ctr"/>
+          <a:lstStyle/>
+          <a:p>
+            <a:pPr algn="ctr"/>
+            <a:endParaRPr lang="en-US"/>
+          </a:p>
+        </p:txBody>
+      </p:sp>
+      <p:sp>
+        <p:nvSpPr>
+          <p:cNvPr id="14" name="Rectangle 13">
+            <a:extLst>
+              <a:ext uri="{FF2B5EF4-FFF2-40B4-BE49-F238E27FC236}">
+                <a16:creationId xmlns:a16="http://schemas.microsoft.com/office/drawing/2014/main" id="{6FA8F714-B9D8-488A-8CCA-E9948FF913A9}"/>
+              </a:ext>
+              <a:ext uri="{C183D7F6-B498-43B3-948B-1728B52AA6E4}">
+                <adec:decorative xmlns:adec="http://schemas.microsoft.com/office/drawing/2017/decorative" val="1"/>
+              </a:ext>
+            </a:extLst>
+          </p:cNvPr>
+          <p:cNvSpPr>
+            <a:spLocks noGrp="1" noRot="1" noChangeAspect="1" noMove="1" noResize="1" noEditPoints="1" noAdjustHandles="1" noChangeArrowheads="1" noChangeShapeType="1" noTextEdit="1"/>
+          </p:cNvSpPr>
+          <p:nvPr>
+            <p:extLst>
+              <p:ext uri="{386F3935-93C4-4BCD-93E2-E3B085C9AB24}">
+                <p16:designElem xmlns:p16="http://schemas.microsoft.com/office/powerpoint/2015/main" val="1"/>
+              </p:ext>
+            </p:extLst>
+          </p:nvPr>
+        </p:nvSpPr>
+        <p:spPr>
+          <a:xfrm>
+            <a:off x="482599" y="643468"/>
+            <a:ext cx="8178800" cy="5571066"/>
+          </a:xfrm>
+          <a:prstGeom prst="rect">
+            <a:avLst/>
+          </a:prstGeom>
+          <a:solidFill>
+            <a:srgbClr val="FFFFFF"/>
+          </a:solidFill>
+          <a:ln>
+            <a:noFill/>
+          </a:ln>
+        </p:spPr>
+        <p:style>
+          <a:lnRef idx="2">
+            <a:schemeClr val="accent1">
+              <a:shade val="50000"/>
+            </a:schemeClr>
+          </a:lnRef>
+          <a:fillRef idx="1">
+            <a:schemeClr val="accent1"/>
+          </a:fillRef>
+          <a:effectRef idx="0">
+            <a:schemeClr val="accent1"/>
+          </a:effectRef>
+          <a:fontRef idx="minor">
+            <a:schemeClr val="lt1"/>
+          </a:fontRef>
+        </p:style>
+        <p:txBody>
+          <a:bodyPr rtlCol="0" anchor="ctr"/>
+          <a:lstStyle/>
+          <a:p>
+            <a:pPr algn="ctr"/>
+            <a:endParaRPr lang="en-US"/>
+          </a:p>
+        </p:txBody>
+      </p:sp>
+      <p:pic>
+        <p:nvPicPr>
+          <p:cNvPr id="5" name="Content Placeholder 4">
+            <a:extLst>
+              <a:ext uri="{FF2B5EF4-FFF2-40B4-BE49-F238E27FC236}">
+                <a16:creationId xmlns:a16="http://schemas.microsoft.com/office/drawing/2014/main" id="{CD33617C-5664-4395-AB31-54DECB135107}"/>
+              </a:ext>
+            </a:extLst>
+          </p:cNvPr>
+          <p:cNvPicPr>
+            <a:picLocks noGrp="1" noChangeAspect="1"/>
+          </p:cNvPicPr>
+          <p:nvPr>
+            <p:ph idx="1"/>
+          </p:nvPr>
+        </p:nvPicPr>
+        <p:blipFill>
+          <a:blip r:embed="rId2">
+            <a:extLst>
+              <a:ext uri="{28A0092B-C50C-407E-A947-70E740481C1C}">
+                <a14:useLocalDpi xmlns:a14="http://schemas.microsoft.com/office/drawing/2010/main" val="0"/>
+              </a:ext>
+            </a:extLst>
+          </a:blip>
+          <a:stretch>
+            <a:fillRect/>
+          </a:stretch>
+        </p:blipFill>
+        <p:spPr>
+          <a:xfrm>
+            <a:off x="2821135" y="2112778"/>
+            <a:ext cx="3501721" cy="2626291"/>
+          </a:xfrm>
+          <a:prstGeom prst="rect">
+            <a:avLst/>
+          </a:prstGeom>
+        </p:spPr>
+      </p:pic>
+    </p:spTree>
+    <p:extLst>
+      <p:ext uri="{BB962C8B-B14F-4D97-AF65-F5344CB8AC3E}">
+        <p14:creationId xmlns:p14="http://schemas.microsoft.com/office/powerpoint/2010/main" val="2309318285"/>
+      </p:ext>
+    </p:extLst>
+  </p:cSld>
+  <p:clrMapOvr>
+    <a:masterClrMapping/>
+  </p:clrMapOvr>
+</p:sld>
+</file>
+
+<file path=ppt/slides/slide21.xml><?xml version="1.0" encoding="utf-8"?>
 <p:sld xmlns:a="http://schemas.openxmlformats.org/drawingml/2006/main" xmlns:r="http://schemas.openxmlformats.org/officeDocument/2006/relationships" xmlns:p="http://schemas.openxmlformats.org/presentationml/2006/main">
   <p:cSld>
     <p:bg>
